--- a/reference/img.pptx
+++ b/reference/img.pptx
@@ -104,6 +104,11 @@
       </a:defRPr>
     </a:lvl9pPr>
   </p:defaultTextStyle>
+  <p:extLst>
+    <p:ext uri="{EFAFB233-063F-42B5-8137-9DF3F51BA10A}">
+      <p15:sldGuideLst xmlns:p15="http://schemas.microsoft.com/office/powerpoint/2012/main"/>
+    </p:ext>
+  </p:extLst>
 </p:presentation>
 </file>
 
@@ -256,7 +261,7 @@
           <a:p>
             <a:fld id="{B73346C5-7092-47F3-BC9A-3D5E9765110D}" type="datetimeFigureOut">
               <a:rPr lang="en-US" smtClean="0"/>
-              <a:t>7/11/2020</a:t>
+              <a:t>7/12/2020</a:t>
             </a:fld>
             <a:endParaRPr lang="en-US"/>
           </a:p>
@@ -488,7 +493,7 @@
           <a:p>
             <a:fld id="{B73346C5-7092-47F3-BC9A-3D5E9765110D}" type="datetimeFigureOut">
               <a:rPr lang="en-US" smtClean="0"/>
-              <a:t>7/11/2020</a:t>
+              <a:t>7/12/2020</a:t>
             </a:fld>
             <a:endParaRPr lang="en-US"/>
           </a:p>
@@ -730,7 +735,7 @@
           <a:p>
             <a:fld id="{B73346C5-7092-47F3-BC9A-3D5E9765110D}" type="datetimeFigureOut">
               <a:rPr lang="en-US" smtClean="0"/>
-              <a:t>7/11/2020</a:t>
+              <a:t>7/12/2020</a:t>
             </a:fld>
             <a:endParaRPr lang="en-US"/>
           </a:p>
@@ -962,7 +967,7 @@
           <a:p>
             <a:fld id="{B73346C5-7092-47F3-BC9A-3D5E9765110D}" type="datetimeFigureOut">
               <a:rPr lang="en-US" smtClean="0"/>
-              <a:t>7/11/2020</a:t>
+              <a:t>7/12/2020</a:t>
             </a:fld>
             <a:endParaRPr lang="en-US"/>
           </a:p>
@@ -1238,7 +1243,7 @@
           <a:p>
             <a:fld id="{B73346C5-7092-47F3-BC9A-3D5E9765110D}" type="datetimeFigureOut">
               <a:rPr lang="en-US" smtClean="0"/>
-              <a:t>7/11/2020</a:t>
+              <a:t>7/12/2020</a:t>
             </a:fld>
             <a:endParaRPr lang="en-US"/>
           </a:p>
@@ -1570,7 +1575,7 @@
           <a:p>
             <a:fld id="{B73346C5-7092-47F3-BC9A-3D5E9765110D}" type="datetimeFigureOut">
               <a:rPr lang="en-US" smtClean="0"/>
-              <a:t>7/11/2020</a:t>
+              <a:t>7/12/2020</a:t>
             </a:fld>
             <a:endParaRPr lang="en-US"/>
           </a:p>
@@ -2049,7 +2054,7 @@
           <a:p>
             <a:fld id="{B73346C5-7092-47F3-BC9A-3D5E9765110D}" type="datetimeFigureOut">
               <a:rPr lang="en-US" smtClean="0"/>
-              <a:t>7/11/2020</a:t>
+              <a:t>7/12/2020</a:t>
             </a:fld>
             <a:endParaRPr lang="en-US"/>
           </a:p>
@@ -2191,7 +2196,7 @@
           <a:p>
             <a:fld id="{B73346C5-7092-47F3-BC9A-3D5E9765110D}" type="datetimeFigureOut">
               <a:rPr lang="en-US" smtClean="0"/>
-              <a:t>7/11/2020</a:t>
+              <a:t>7/12/2020</a:t>
             </a:fld>
             <a:endParaRPr lang="en-US"/>
           </a:p>
@@ -2304,7 +2309,7 @@
           <a:p>
             <a:fld id="{B73346C5-7092-47F3-BC9A-3D5E9765110D}" type="datetimeFigureOut">
               <a:rPr lang="en-US" smtClean="0"/>
-              <a:t>7/11/2020</a:t>
+              <a:t>7/12/2020</a:t>
             </a:fld>
             <a:endParaRPr lang="en-US"/>
           </a:p>
@@ -2649,7 +2654,7 @@
           <a:p>
             <a:fld id="{B73346C5-7092-47F3-BC9A-3D5E9765110D}" type="datetimeFigureOut">
               <a:rPr lang="en-US" smtClean="0"/>
-              <a:t>7/11/2020</a:t>
+              <a:t>7/12/2020</a:t>
             </a:fld>
             <a:endParaRPr lang="en-US"/>
           </a:p>
@@ -2938,7 +2943,7 @@
           <a:p>
             <a:fld id="{B73346C5-7092-47F3-BC9A-3D5E9765110D}" type="datetimeFigureOut">
               <a:rPr lang="en-US" smtClean="0"/>
-              <a:t>7/11/2020</a:t>
+              <a:t>7/12/2020</a:t>
             </a:fld>
             <a:endParaRPr lang="en-US"/>
           </a:p>
@@ -3213,7 +3218,7 @@
           <a:p>
             <a:fld id="{B73346C5-7092-47F3-BC9A-3D5E9765110D}" type="datetimeFigureOut">
               <a:rPr lang="en-US" smtClean="0"/>
-              <a:t>7/11/2020</a:t>
+              <a:t>7/12/2020</a:t>
             </a:fld>
             <a:endParaRPr lang="en-US"/>
           </a:p>
@@ -3679,555 +3684,658 @@
           </a:p>
         </p:txBody>
       </p:sp>
-      <p:pic>
-        <p:nvPicPr>
-          <p:cNvPr id="1030" name="Picture 6" descr="Science Icon Png #408800 - Free Icons Library">
-            <a:extLst>
-              <a:ext uri="{FF2B5EF4-FFF2-40B4-BE49-F238E27FC236}">
-                <a16:creationId xmlns:a16="http://schemas.microsoft.com/office/drawing/2014/main" id="{0D44D893-EE17-48CF-83C6-84742E1D6D9A}"/>
-              </a:ext>
-            </a:extLst>
-          </p:cNvPr>
-          <p:cNvPicPr>
-            <a:picLocks noChangeAspect="1" noChangeArrowheads="1"/>
-          </p:cNvPicPr>
+      <p:grpSp>
+        <p:nvGrpSpPr>
+          <p:cNvPr id="14" name="グループ化 13">
+            <a:extLst>
+              <a:ext uri="{FF2B5EF4-FFF2-40B4-BE49-F238E27FC236}">
+                <a16:creationId xmlns:a16="http://schemas.microsoft.com/office/drawing/2014/main" id="{4944D7C7-2C8F-4341-B9E6-BAF4236FF018}"/>
+              </a:ext>
+            </a:extLst>
+          </p:cNvPr>
+          <p:cNvGrpSpPr/>
           <p:nvPr/>
-        </p:nvPicPr>
-        <p:blipFill>
-          <a:blip r:embed="rId2">
-            <a:extLst>
-              <a:ext uri="{BEBA8EAE-BF5A-486C-A8C5-ECC9F3942E4B}">
-                <a14:imgProps xmlns:a14="http://schemas.microsoft.com/office/drawing/2010/main">
-                  <a14:imgLayer r:embed="rId3">
-                    <a14:imgEffect>
-                      <a14:brightnessContrast bright="100000"/>
-                    </a14:imgEffect>
-                  </a14:imgLayer>
-                </a14:imgProps>
-              </a:ext>
-              <a:ext uri="{28A0092B-C50C-407E-A947-70E740481C1C}">
-                <a14:useLocalDpi xmlns:a14="http://schemas.microsoft.com/office/drawing/2010/main" val="0"/>
-              </a:ext>
-            </a:extLst>
-          </a:blip>
-          <a:srcRect/>
-          <a:stretch>
-            <a:fillRect/>
-          </a:stretch>
-        </p:blipFill>
-        <p:spPr bwMode="auto">
+        </p:nvGrpSpPr>
+        <p:grpSpPr>
           <a:xfrm>
-            <a:off x="2944723" y="893537"/>
-            <a:ext cx="395478" cy="395478"/>
+            <a:off x="2571617" y="446650"/>
+            <a:ext cx="1933615" cy="1543858"/>
+            <a:chOff x="2347951" y="893537"/>
+            <a:chExt cx="992250" cy="792243"/>
           </a:xfrm>
-          <a:prstGeom prst="rect">
-            <a:avLst/>
-          </a:prstGeom>
-          <a:noFill/>
-          <a:extLst>
-            <a:ext uri="{909E8E84-426E-40DD-AFC4-6F175D3DCCD1}">
-              <a14:hiddenFill xmlns:a14="http://schemas.microsoft.com/office/drawing/2010/main">
-                <a:solidFill>
-                  <a:srgbClr val="FFFFFF"/>
-                </a:solidFill>
-              </a14:hiddenFill>
-            </a:ext>
-          </a:extLst>
-        </p:spPr>
-      </p:pic>
-      <p:pic>
-        <p:nvPicPr>
-          <p:cNvPr id="1034" name="Picture 10" descr="Scientist With Task PNG Icon - PNG Repo Free PNG Icons">
-            <a:extLst>
-              <a:ext uri="{FF2B5EF4-FFF2-40B4-BE49-F238E27FC236}">
-                <a16:creationId xmlns:a16="http://schemas.microsoft.com/office/drawing/2014/main" id="{75A63158-5BA0-4F65-A17D-14D46196BC6C}"/>
-              </a:ext>
-            </a:extLst>
-          </p:cNvPr>
-          <p:cNvPicPr>
-            <a:picLocks noChangeAspect="1" noChangeArrowheads="1"/>
-          </p:cNvPicPr>
+        </p:grpSpPr>
+        <p:pic>
+          <p:nvPicPr>
+            <p:cNvPr id="1030" name="Picture 6" descr="Science Icon Png #408800 - Free Icons Library">
+              <a:extLst>
+                <a:ext uri="{FF2B5EF4-FFF2-40B4-BE49-F238E27FC236}">
+                  <a16:creationId xmlns:a16="http://schemas.microsoft.com/office/drawing/2014/main" id="{0D44D893-EE17-48CF-83C6-84742E1D6D9A}"/>
+                </a:ext>
+              </a:extLst>
+            </p:cNvPr>
+            <p:cNvPicPr>
+              <a:picLocks noChangeAspect="1" noChangeArrowheads="1"/>
+            </p:cNvPicPr>
+            <p:nvPr/>
+          </p:nvPicPr>
+          <p:blipFill>
+            <a:blip r:embed="rId2">
+              <a:extLst>
+                <a:ext uri="{BEBA8EAE-BF5A-486C-A8C5-ECC9F3942E4B}">
+                  <a14:imgProps xmlns:a14="http://schemas.microsoft.com/office/drawing/2010/main">
+                    <a14:imgLayer r:embed="rId3">
+                      <a14:imgEffect>
+                        <a14:brightnessContrast bright="100000"/>
+                      </a14:imgEffect>
+                    </a14:imgLayer>
+                  </a14:imgProps>
+                </a:ext>
+                <a:ext uri="{28A0092B-C50C-407E-A947-70E740481C1C}">
+                  <a14:useLocalDpi xmlns:a14="http://schemas.microsoft.com/office/drawing/2010/main" val="0"/>
+                </a:ext>
+              </a:extLst>
+            </a:blip>
+            <a:srcRect/>
+            <a:stretch>
+              <a:fillRect/>
+            </a:stretch>
+          </p:blipFill>
+          <p:spPr bwMode="auto">
+            <a:xfrm>
+              <a:off x="2944723" y="893537"/>
+              <a:ext cx="395478" cy="395478"/>
+            </a:xfrm>
+            <a:prstGeom prst="rect">
+              <a:avLst/>
+            </a:prstGeom>
+            <a:noFill/>
+            <a:extLst>
+              <a:ext uri="{909E8E84-426E-40DD-AFC4-6F175D3DCCD1}">
+                <a14:hiddenFill xmlns:a14="http://schemas.microsoft.com/office/drawing/2010/main">
+                  <a:solidFill>
+                    <a:srgbClr val="FFFFFF"/>
+                  </a:solidFill>
+                </a14:hiddenFill>
+              </a:ext>
+            </a:extLst>
+          </p:spPr>
+        </p:pic>
+        <p:pic>
+          <p:nvPicPr>
+            <p:cNvPr id="1034" name="Picture 10" descr="Scientist With Task PNG Icon - PNG Repo Free PNG Icons">
+              <a:extLst>
+                <a:ext uri="{FF2B5EF4-FFF2-40B4-BE49-F238E27FC236}">
+                  <a16:creationId xmlns:a16="http://schemas.microsoft.com/office/drawing/2014/main" id="{75A63158-5BA0-4F65-A17D-14D46196BC6C}"/>
+                </a:ext>
+              </a:extLst>
+            </p:cNvPr>
+            <p:cNvPicPr>
+              <a:picLocks noChangeAspect="1" noChangeArrowheads="1"/>
+            </p:cNvPicPr>
+            <p:nvPr/>
+          </p:nvPicPr>
+          <p:blipFill>
+            <a:blip r:embed="rId4">
+              <a:extLst>
+                <a:ext uri="{BEBA8EAE-BF5A-486C-A8C5-ECC9F3942E4B}">
+                  <a14:imgProps xmlns:a14="http://schemas.microsoft.com/office/drawing/2010/main">
+                    <a14:imgLayer r:embed="rId5">
+                      <a14:imgEffect>
+                        <a14:brightnessContrast bright="100000"/>
+                      </a14:imgEffect>
+                    </a14:imgLayer>
+                  </a14:imgProps>
+                </a:ext>
+                <a:ext uri="{28A0092B-C50C-407E-A947-70E740481C1C}">
+                  <a14:useLocalDpi xmlns:a14="http://schemas.microsoft.com/office/drawing/2010/main" val="0"/>
+                </a:ext>
+              </a:extLst>
+            </a:blip>
+            <a:srcRect/>
+            <a:stretch>
+              <a:fillRect/>
+            </a:stretch>
+          </p:blipFill>
+          <p:spPr bwMode="auto">
+            <a:xfrm>
+              <a:off x="2347951" y="957421"/>
+              <a:ext cx="728359" cy="728359"/>
+            </a:xfrm>
+            <a:prstGeom prst="rect">
+              <a:avLst/>
+            </a:prstGeom>
+            <a:noFill/>
+            <a:extLst>
+              <a:ext uri="{909E8E84-426E-40DD-AFC4-6F175D3DCCD1}">
+                <a14:hiddenFill xmlns:a14="http://schemas.microsoft.com/office/drawing/2010/main">
+                  <a:solidFill>
+                    <a:srgbClr val="FFFFFF"/>
+                  </a:solidFill>
+                </a14:hiddenFill>
+              </a:ext>
+            </a:extLst>
+          </p:spPr>
+        </p:pic>
+      </p:grpSp>
+      <p:grpSp>
+        <p:nvGrpSpPr>
+          <p:cNvPr id="15" name="グループ化 14">
+            <a:extLst>
+              <a:ext uri="{FF2B5EF4-FFF2-40B4-BE49-F238E27FC236}">
+                <a16:creationId xmlns:a16="http://schemas.microsoft.com/office/drawing/2014/main" id="{5987D6A2-D46D-4A20-975C-00D273858D4C}"/>
+              </a:ext>
+            </a:extLst>
+          </p:cNvPr>
+          <p:cNvGrpSpPr/>
           <p:nvPr/>
-        </p:nvPicPr>
-        <p:blipFill>
-          <a:blip r:embed="rId4">
-            <a:extLst>
-              <a:ext uri="{BEBA8EAE-BF5A-486C-A8C5-ECC9F3942E4B}">
-                <a14:imgProps xmlns:a14="http://schemas.microsoft.com/office/drawing/2010/main">
-                  <a14:imgLayer r:embed="rId5">
-                    <a14:imgEffect>
-                      <a14:brightnessContrast bright="100000"/>
-                    </a14:imgEffect>
-                  </a14:imgLayer>
-                </a14:imgProps>
-              </a:ext>
-              <a:ext uri="{28A0092B-C50C-407E-A947-70E740481C1C}">
-                <a14:useLocalDpi xmlns:a14="http://schemas.microsoft.com/office/drawing/2010/main" val="0"/>
-              </a:ext>
-            </a:extLst>
-          </a:blip>
-          <a:srcRect/>
-          <a:stretch>
-            <a:fillRect/>
-          </a:stretch>
-        </p:blipFill>
-        <p:spPr bwMode="auto">
+        </p:nvGrpSpPr>
+        <p:grpSpPr>
           <a:xfrm>
-            <a:off x="2347951" y="957421"/>
-            <a:ext cx="728359" cy="728359"/>
+            <a:off x="4802694" y="441002"/>
+            <a:ext cx="1935505" cy="1668116"/>
+            <a:chOff x="4447150" y="909164"/>
+            <a:chExt cx="993220" cy="856006"/>
           </a:xfrm>
-          <a:prstGeom prst="rect">
-            <a:avLst/>
-          </a:prstGeom>
-          <a:noFill/>
-          <a:extLst>
-            <a:ext uri="{909E8E84-426E-40DD-AFC4-6F175D3DCCD1}">
-              <a14:hiddenFill xmlns:a14="http://schemas.microsoft.com/office/drawing/2010/main">
-                <a:solidFill>
-                  <a:srgbClr val="FFFFFF"/>
-                </a:solidFill>
-              </a14:hiddenFill>
-            </a:ext>
-          </a:extLst>
-        </p:spPr>
-      </p:pic>
-      <p:pic>
-        <p:nvPicPr>
-          <p:cNvPr id="1040" name="Picture 16">
-            <a:extLst>
-              <a:ext uri="{FF2B5EF4-FFF2-40B4-BE49-F238E27FC236}">
-                <a16:creationId xmlns:a16="http://schemas.microsoft.com/office/drawing/2014/main" id="{C134CEE4-68B5-4DEC-9C5F-DBBF882D0ED4}"/>
-              </a:ext>
-            </a:extLst>
-          </p:cNvPr>
-          <p:cNvPicPr>
-            <a:picLocks noChangeAspect="1" noChangeArrowheads="1"/>
-          </p:cNvPicPr>
+        </p:grpSpPr>
+        <p:pic>
+          <p:nvPicPr>
+            <p:cNvPr id="1040" name="Picture 16">
+              <a:extLst>
+                <a:ext uri="{FF2B5EF4-FFF2-40B4-BE49-F238E27FC236}">
+                  <a16:creationId xmlns:a16="http://schemas.microsoft.com/office/drawing/2014/main" id="{C134CEE4-68B5-4DEC-9C5F-DBBF882D0ED4}"/>
+                </a:ext>
+              </a:extLst>
+            </p:cNvPr>
+            <p:cNvPicPr>
+              <a:picLocks noChangeAspect="1" noChangeArrowheads="1"/>
+            </p:cNvPicPr>
+            <p:nvPr/>
+          </p:nvPicPr>
+          <p:blipFill>
+            <a:blip r:embed="rId6">
+              <a:extLst>
+                <a:ext uri="{BEBA8EAE-BF5A-486C-A8C5-ECC9F3942E4B}">
+                  <a14:imgProps xmlns:a14="http://schemas.microsoft.com/office/drawing/2010/main">
+                    <a14:imgLayer r:embed="rId7">
+                      <a14:imgEffect>
+                        <a14:brightnessContrast bright="100000"/>
+                      </a14:imgEffect>
+                    </a14:imgLayer>
+                  </a14:imgProps>
+                </a:ext>
+                <a:ext uri="{28A0092B-C50C-407E-A947-70E740481C1C}">
+                  <a14:useLocalDpi xmlns:a14="http://schemas.microsoft.com/office/drawing/2010/main" val="0"/>
+                </a:ext>
+              </a:extLst>
+            </a:blip>
+            <a:srcRect/>
+            <a:stretch>
+              <a:fillRect/>
+            </a:stretch>
+          </p:blipFill>
+          <p:spPr bwMode="auto">
+            <a:xfrm>
+              <a:off x="4447150" y="957265"/>
+              <a:ext cx="807905" cy="807905"/>
+            </a:xfrm>
+            <a:prstGeom prst="rect">
+              <a:avLst/>
+            </a:prstGeom>
+            <a:noFill/>
+            <a:extLst>
+              <a:ext uri="{909E8E84-426E-40DD-AFC4-6F175D3DCCD1}">
+                <a14:hiddenFill xmlns:a14="http://schemas.microsoft.com/office/drawing/2010/main">
+                  <a:solidFill>
+                    <a:srgbClr val="FFFFFF"/>
+                  </a:solidFill>
+                </a14:hiddenFill>
+              </a:ext>
+            </a:extLst>
+          </p:spPr>
+        </p:pic>
+        <p:pic>
+          <p:nvPicPr>
+            <p:cNvPr id="1042" name="Picture 18" descr="Database Icons - Download Free Vector Icons | Noun Project">
+              <a:extLst>
+                <a:ext uri="{FF2B5EF4-FFF2-40B4-BE49-F238E27FC236}">
+                  <a16:creationId xmlns:a16="http://schemas.microsoft.com/office/drawing/2014/main" id="{1937C503-4D8C-424B-BAFA-348BF0DB7421}"/>
+                </a:ext>
+              </a:extLst>
+            </p:cNvPr>
+            <p:cNvPicPr>
+              <a:picLocks noChangeAspect="1" noChangeArrowheads="1"/>
+            </p:cNvPicPr>
+            <p:nvPr/>
+          </p:nvPicPr>
+          <p:blipFill>
+            <a:blip r:embed="rId8">
+              <a:extLst>
+                <a:ext uri="{BEBA8EAE-BF5A-486C-A8C5-ECC9F3942E4B}">
+                  <a14:imgProps xmlns:a14="http://schemas.microsoft.com/office/drawing/2010/main">
+                    <a14:imgLayer r:embed="rId9">
+                      <a14:imgEffect>
+                        <a14:brightnessContrast bright="100000"/>
+                      </a14:imgEffect>
+                    </a14:imgLayer>
+                  </a14:imgProps>
+                </a:ext>
+                <a:ext uri="{28A0092B-C50C-407E-A947-70E740481C1C}">
+                  <a14:useLocalDpi xmlns:a14="http://schemas.microsoft.com/office/drawing/2010/main" val="0"/>
+                </a:ext>
+              </a:extLst>
+            </a:blip>
+            <a:srcRect/>
+            <a:stretch>
+              <a:fillRect/>
+            </a:stretch>
+          </p:blipFill>
+          <p:spPr bwMode="auto">
+            <a:xfrm>
+              <a:off x="5097739" y="909164"/>
+              <a:ext cx="342631" cy="342631"/>
+            </a:xfrm>
+            <a:prstGeom prst="rect">
+              <a:avLst/>
+            </a:prstGeom>
+            <a:noFill/>
+            <a:extLst>
+              <a:ext uri="{909E8E84-426E-40DD-AFC4-6F175D3DCCD1}">
+                <a14:hiddenFill xmlns:a14="http://schemas.microsoft.com/office/drawing/2010/main">
+                  <a:solidFill>
+                    <a:srgbClr val="FFFFFF"/>
+                  </a:solidFill>
+                </a14:hiddenFill>
+              </a:ext>
+            </a:extLst>
+          </p:spPr>
+        </p:pic>
+      </p:grpSp>
+      <p:grpSp>
+        <p:nvGrpSpPr>
+          <p:cNvPr id="16" name="グループ化 15">
+            <a:extLst>
+              <a:ext uri="{FF2B5EF4-FFF2-40B4-BE49-F238E27FC236}">
+                <a16:creationId xmlns:a16="http://schemas.microsoft.com/office/drawing/2014/main" id="{D916E5BC-9044-4161-845E-94A5F65587DC}"/>
+              </a:ext>
+            </a:extLst>
+          </p:cNvPr>
+          <p:cNvGrpSpPr/>
           <p:nvPr/>
-        </p:nvPicPr>
-        <p:blipFill>
-          <a:blip r:embed="rId6">
-            <a:extLst>
-              <a:ext uri="{BEBA8EAE-BF5A-486C-A8C5-ECC9F3942E4B}">
-                <a14:imgProps xmlns:a14="http://schemas.microsoft.com/office/drawing/2010/main">
-                  <a14:imgLayer r:embed="rId7">
-                    <a14:imgEffect>
-                      <a14:brightnessContrast bright="100000"/>
-                    </a14:imgEffect>
-                  </a14:imgLayer>
-                </a14:imgProps>
-              </a:ext>
-              <a:ext uri="{28A0092B-C50C-407E-A947-70E740481C1C}">
-                <a14:useLocalDpi xmlns:a14="http://schemas.microsoft.com/office/drawing/2010/main" val="0"/>
-              </a:ext>
-            </a:extLst>
-          </a:blip>
-          <a:srcRect/>
-          <a:stretch>
-            <a:fillRect/>
-          </a:stretch>
-        </p:blipFill>
-        <p:spPr bwMode="auto">
+        </p:nvGrpSpPr>
+        <p:grpSpPr>
           <a:xfrm>
-            <a:off x="4447150" y="957265"/>
-            <a:ext cx="807905" cy="807905"/>
+            <a:off x="7188783" y="391686"/>
+            <a:ext cx="2330144" cy="1717432"/>
+            <a:chOff x="6717122" y="952796"/>
+            <a:chExt cx="1195732" cy="881314"/>
           </a:xfrm>
-          <a:prstGeom prst="rect">
-            <a:avLst/>
-          </a:prstGeom>
-          <a:noFill/>
-          <a:extLst>
-            <a:ext uri="{909E8E84-426E-40DD-AFC4-6F175D3DCCD1}">
-              <a14:hiddenFill xmlns:a14="http://schemas.microsoft.com/office/drawing/2010/main">
-                <a:solidFill>
-                  <a:srgbClr val="FFFFFF"/>
-                </a:solidFill>
-              </a14:hiddenFill>
-            </a:ext>
-          </a:extLst>
-        </p:spPr>
-      </p:pic>
-      <p:pic>
-        <p:nvPicPr>
-          <p:cNvPr id="1042" name="Picture 18" descr="Database Icons - Download Free Vector Icons | Noun Project">
-            <a:extLst>
-              <a:ext uri="{FF2B5EF4-FFF2-40B4-BE49-F238E27FC236}">
-                <a16:creationId xmlns:a16="http://schemas.microsoft.com/office/drawing/2014/main" id="{1937C503-4D8C-424B-BAFA-348BF0DB7421}"/>
-              </a:ext>
-            </a:extLst>
-          </p:cNvPr>
-          <p:cNvPicPr>
-            <a:picLocks noChangeAspect="1" noChangeArrowheads="1"/>
-          </p:cNvPicPr>
+        </p:grpSpPr>
+        <p:pic>
+          <p:nvPicPr>
+            <p:cNvPr id="1044" name="Picture 20">
+              <a:extLst>
+                <a:ext uri="{FF2B5EF4-FFF2-40B4-BE49-F238E27FC236}">
+                  <a16:creationId xmlns:a16="http://schemas.microsoft.com/office/drawing/2014/main" id="{1AF9721C-68FF-45D9-B0A6-7D8E28261E2D}"/>
+                </a:ext>
+              </a:extLst>
+            </p:cNvPr>
+            <p:cNvPicPr>
+              <a:picLocks noChangeAspect="1" noChangeArrowheads="1"/>
+            </p:cNvPicPr>
+            <p:nvPr/>
+          </p:nvPicPr>
+          <p:blipFill rotWithShape="1">
+            <a:blip r:embed="rId10">
+              <a:extLst>
+                <a:ext uri="{BEBA8EAE-BF5A-486C-A8C5-ECC9F3942E4B}">
+                  <a14:imgProps xmlns:a14="http://schemas.microsoft.com/office/drawing/2010/main">
+                    <a14:imgLayer r:embed="rId11">
+                      <a14:imgEffect>
+                        <a14:brightnessContrast bright="100000"/>
+                      </a14:imgEffect>
+                    </a14:imgLayer>
+                  </a14:imgProps>
+                </a:ext>
+                <a:ext uri="{28A0092B-C50C-407E-A947-70E740481C1C}">
+                  <a14:useLocalDpi xmlns:a14="http://schemas.microsoft.com/office/drawing/2010/main" val="0"/>
+                </a:ext>
+              </a:extLst>
+            </a:blip>
+            <a:srcRect l="8329" r="5565"/>
+            <a:stretch/>
+          </p:blipFill>
+          <p:spPr bwMode="auto">
+            <a:xfrm>
+              <a:off x="6717122" y="952796"/>
+              <a:ext cx="758862" cy="881314"/>
+            </a:xfrm>
+            <a:prstGeom prst="rect">
+              <a:avLst/>
+            </a:prstGeom>
+            <a:noFill/>
+            <a:extLst>
+              <a:ext uri="{909E8E84-426E-40DD-AFC4-6F175D3DCCD1}">
+                <a14:hiddenFill xmlns:a14="http://schemas.microsoft.com/office/drawing/2010/main">
+                  <a:solidFill>
+                    <a:srgbClr val="FFFFFF"/>
+                  </a:solidFill>
+                </a14:hiddenFill>
+              </a:ext>
+            </a:extLst>
+          </p:spPr>
+        </p:pic>
+        <p:pic>
+          <p:nvPicPr>
+            <p:cNvPr id="17" name="図 16">
+              <a:extLst>
+                <a:ext uri="{FF2B5EF4-FFF2-40B4-BE49-F238E27FC236}">
+                  <a16:creationId xmlns:a16="http://schemas.microsoft.com/office/drawing/2014/main" id="{EB46A13C-6DB8-4F27-AC29-7B9ACB064CFF}"/>
+                </a:ext>
+              </a:extLst>
+            </p:cNvPr>
+            <p:cNvPicPr>
+              <a:picLocks noChangeAspect="1"/>
+            </p:cNvPicPr>
+            <p:nvPr/>
+          </p:nvPicPr>
+          <p:blipFill>
+            <a:blip r:embed="rId12">
+              <a:extLst>
+                <a:ext uri="{BEBA8EAE-BF5A-486C-A8C5-ECC9F3942E4B}">
+                  <a14:imgProps xmlns:a14="http://schemas.microsoft.com/office/drawing/2010/main">
+                    <a14:imgLayer r:embed="rId13">
+                      <a14:imgEffect>
+                        <a14:brightnessContrast bright="100000"/>
+                      </a14:imgEffect>
+                    </a14:imgLayer>
+                  </a14:imgProps>
+                </a:ext>
+                <a:ext uri="{28A0092B-C50C-407E-A947-70E740481C1C}">
+                  <a14:useLocalDpi xmlns:a14="http://schemas.microsoft.com/office/drawing/2010/main" val="0"/>
+                </a:ext>
+              </a:extLst>
+            </a:blip>
+            <a:stretch>
+              <a:fillRect/>
+            </a:stretch>
+          </p:blipFill>
+          <p:spPr>
+            <a:xfrm>
+              <a:off x="7290668" y="959676"/>
+              <a:ext cx="622186" cy="622186"/>
+            </a:xfrm>
+            <a:prstGeom prst="rect">
+              <a:avLst/>
+            </a:prstGeom>
+          </p:spPr>
+        </p:pic>
+      </p:grpSp>
+      <p:grpSp>
+        <p:nvGrpSpPr>
+          <p:cNvPr id="18" name="グループ化 17">
+            <a:extLst>
+              <a:ext uri="{FF2B5EF4-FFF2-40B4-BE49-F238E27FC236}">
+                <a16:creationId xmlns:a16="http://schemas.microsoft.com/office/drawing/2014/main" id="{3A476509-A839-4A9A-944C-438E0C5F5BCD}"/>
+              </a:ext>
+            </a:extLst>
+          </p:cNvPr>
+          <p:cNvGrpSpPr/>
           <p:nvPr/>
-        </p:nvPicPr>
-        <p:blipFill>
-          <a:blip r:embed="rId8">
-            <a:extLst>
-              <a:ext uri="{BEBA8EAE-BF5A-486C-A8C5-ECC9F3942E4B}">
-                <a14:imgProps xmlns:a14="http://schemas.microsoft.com/office/drawing/2010/main">
-                  <a14:imgLayer r:embed="rId9">
-                    <a14:imgEffect>
-                      <a14:brightnessContrast bright="100000"/>
-                    </a14:imgEffect>
-                  </a14:imgLayer>
-                </a14:imgProps>
-              </a:ext>
-              <a:ext uri="{28A0092B-C50C-407E-A947-70E740481C1C}">
-                <a14:useLocalDpi xmlns:a14="http://schemas.microsoft.com/office/drawing/2010/main" val="0"/>
-              </a:ext>
-            </a:extLst>
-          </a:blip>
-          <a:srcRect/>
-          <a:stretch>
-            <a:fillRect/>
-          </a:stretch>
-        </p:blipFill>
-        <p:spPr bwMode="auto">
+        </p:nvGrpSpPr>
+        <p:grpSpPr>
           <a:xfrm>
-            <a:off x="5097739" y="909164"/>
-            <a:ext cx="342631" cy="342631"/>
+            <a:off x="9809212" y="227410"/>
+            <a:ext cx="2232712" cy="1980058"/>
+            <a:chOff x="8157660" y="892032"/>
+            <a:chExt cx="1145734" cy="1016083"/>
           </a:xfrm>
-          <a:prstGeom prst="rect">
-            <a:avLst/>
-          </a:prstGeom>
-          <a:noFill/>
-          <a:extLst>
-            <a:ext uri="{909E8E84-426E-40DD-AFC4-6F175D3DCCD1}">
-              <a14:hiddenFill xmlns:a14="http://schemas.microsoft.com/office/drawing/2010/main">
-                <a:solidFill>
-                  <a:srgbClr val="FFFFFF"/>
-                </a:solidFill>
-              </a14:hiddenFill>
-            </a:ext>
-          </a:extLst>
-        </p:spPr>
-      </p:pic>
-      <p:pic>
-        <p:nvPicPr>
-          <p:cNvPr id="1044" name="Picture 20">
-            <a:extLst>
-              <a:ext uri="{FF2B5EF4-FFF2-40B4-BE49-F238E27FC236}">
-                <a16:creationId xmlns:a16="http://schemas.microsoft.com/office/drawing/2014/main" id="{1AF9721C-68FF-45D9-B0A6-7D8E28261E2D}"/>
-              </a:ext>
-            </a:extLst>
-          </p:cNvPr>
-          <p:cNvPicPr>
-            <a:picLocks noChangeAspect="1" noChangeArrowheads="1"/>
-          </p:cNvPicPr>
+        </p:grpSpPr>
+        <p:pic>
+          <p:nvPicPr>
+            <p:cNvPr id="34" name="Picture 16">
+              <a:extLst>
+                <a:ext uri="{FF2B5EF4-FFF2-40B4-BE49-F238E27FC236}">
+                  <a16:creationId xmlns:a16="http://schemas.microsoft.com/office/drawing/2014/main" id="{4631FFF2-8A56-46C5-9D9A-F9084DDECD05}"/>
+                </a:ext>
+              </a:extLst>
+            </p:cNvPr>
+            <p:cNvPicPr>
+              <a:picLocks noChangeAspect="1" noChangeArrowheads="1"/>
+            </p:cNvPicPr>
+            <p:nvPr/>
+          </p:nvPicPr>
+          <p:blipFill>
+            <a:blip r:embed="rId6">
+              <a:extLst>
+                <a:ext uri="{BEBA8EAE-BF5A-486C-A8C5-ECC9F3942E4B}">
+                  <a14:imgProps xmlns:a14="http://schemas.microsoft.com/office/drawing/2010/main">
+                    <a14:imgLayer r:embed="rId7">
+                      <a14:imgEffect>
+                        <a14:brightnessContrast bright="100000"/>
+                      </a14:imgEffect>
+                    </a14:imgLayer>
+                  </a14:imgProps>
+                </a:ext>
+                <a:ext uri="{28A0092B-C50C-407E-A947-70E740481C1C}">
+                  <a14:useLocalDpi xmlns:a14="http://schemas.microsoft.com/office/drawing/2010/main" val="0"/>
+                </a:ext>
+              </a:extLst>
+            </a:blip>
+            <a:srcRect/>
+            <a:stretch>
+              <a:fillRect/>
+            </a:stretch>
+          </p:blipFill>
+          <p:spPr bwMode="auto">
+            <a:xfrm>
+              <a:off x="8157660" y="1019419"/>
+              <a:ext cx="888696" cy="888696"/>
+            </a:xfrm>
+            <a:prstGeom prst="rect">
+              <a:avLst/>
+            </a:prstGeom>
+            <a:noFill/>
+            <a:extLst>
+              <a:ext uri="{909E8E84-426E-40DD-AFC4-6F175D3DCCD1}">
+                <a14:hiddenFill xmlns:a14="http://schemas.microsoft.com/office/drawing/2010/main">
+                  <a:solidFill>
+                    <a:srgbClr val="FFFFFF"/>
+                  </a:solidFill>
+                </a14:hiddenFill>
+              </a:ext>
+            </a:extLst>
+          </p:spPr>
+        </p:pic>
+        <p:pic>
+          <p:nvPicPr>
+            <p:cNvPr id="1054" name="Picture 30" descr="Connection Icon Png #25829 - Free Icons Library">
+              <a:extLst>
+                <a:ext uri="{FF2B5EF4-FFF2-40B4-BE49-F238E27FC236}">
+                  <a16:creationId xmlns:a16="http://schemas.microsoft.com/office/drawing/2014/main" id="{B64BC29E-8FEC-44BE-818B-A7CE24A0FFE0}"/>
+                </a:ext>
+              </a:extLst>
+            </p:cNvPr>
+            <p:cNvPicPr>
+              <a:picLocks noChangeAspect="1" noChangeArrowheads="1"/>
+            </p:cNvPicPr>
+            <p:nvPr/>
+          </p:nvPicPr>
+          <p:blipFill>
+            <a:blip r:embed="rId14">
+              <a:extLst>
+                <a:ext uri="{BEBA8EAE-BF5A-486C-A8C5-ECC9F3942E4B}">
+                  <a14:imgProps xmlns:a14="http://schemas.microsoft.com/office/drawing/2010/main">
+                    <a14:imgLayer r:embed="rId15">
+                      <a14:imgEffect>
+                        <a14:brightnessContrast bright="100000"/>
+                      </a14:imgEffect>
+                    </a14:imgLayer>
+                  </a14:imgProps>
+                </a:ext>
+                <a:ext uri="{28A0092B-C50C-407E-A947-70E740481C1C}">
+                  <a14:useLocalDpi xmlns:a14="http://schemas.microsoft.com/office/drawing/2010/main" val="0"/>
+                </a:ext>
+              </a:extLst>
+            </a:blip>
+            <a:srcRect/>
+            <a:stretch>
+              <a:fillRect/>
+            </a:stretch>
+          </p:blipFill>
+          <p:spPr bwMode="auto">
+            <a:xfrm>
+              <a:off x="8789318" y="892032"/>
+              <a:ext cx="514076" cy="514076"/>
+            </a:xfrm>
+            <a:prstGeom prst="rect">
+              <a:avLst/>
+            </a:prstGeom>
+            <a:noFill/>
+            <a:extLst>
+              <a:ext uri="{909E8E84-426E-40DD-AFC4-6F175D3DCCD1}">
+                <a14:hiddenFill xmlns:a14="http://schemas.microsoft.com/office/drawing/2010/main">
+                  <a:solidFill>
+                    <a:srgbClr val="FFFFFF"/>
+                  </a:solidFill>
+                </a14:hiddenFill>
+              </a:ext>
+            </a:extLst>
+          </p:spPr>
+        </p:pic>
+      </p:grpSp>
+      <p:grpSp>
+        <p:nvGrpSpPr>
+          <p:cNvPr id="13" name="グループ化 12">
+            <a:extLst>
+              <a:ext uri="{FF2B5EF4-FFF2-40B4-BE49-F238E27FC236}">
+                <a16:creationId xmlns:a16="http://schemas.microsoft.com/office/drawing/2014/main" id="{E57BA1DD-A888-4259-90F5-D5A8CE68A0EA}"/>
+              </a:ext>
+            </a:extLst>
+          </p:cNvPr>
+          <p:cNvGrpSpPr/>
           <p:nvPr/>
-        </p:nvPicPr>
-        <p:blipFill>
-          <a:blip r:embed="rId10">
-            <a:extLst>
-              <a:ext uri="{BEBA8EAE-BF5A-486C-A8C5-ECC9F3942E4B}">
-                <a14:imgProps xmlns:a14="http://schemas.microsoft.com/office/drawing/2010/main">
-                  <a14:imgLayer r:embed="rId11">
-                    <a14:imgEffect>
-                      <a14:brightnessContrast bright="100000"/>
-                    </a14:imgEffect>
-                  </a14:imgLayer>
-                </a14:imgProps>
-              </a:ext>
-              <a:ext uri="{28A0092B-C50C-407E-A947-70E740481C1C}">
-                <a14:useLocalDpi xmlns:a14="http://schemas.microsoft.com/office/drawing/2010/main" val="0"/>
-              </a:ext>
-            </a:extLst>
-          </a:blip>
-          <a:srcRect/>
-          <a:stretch>
-            <a:fillRect/>
-          </a:stretch>
-        </p:blipFill>
-        <p:spPr bwMode="auto">
+        </p:nvGrpSpPr>
+        <p:grpSpPr>
           <a:xfrm>
-            <a:off x="6643712" y="952796"/>
-            <a:ext cx="881314" cy="881314"/>
+            <a:off x="185176" y="486016"/>
+            <a:ext cx="1816684" cy="1574381"/>
+            <a:chOff x="627395" y="893968"/>
+            <a:chExt cx="932246" cy="807905"/>
           </a:xfrm>
-          <a:prstGeom prst="rect">
-            <a:avLst/>
-          </a:prstGeom>
-          <a:noFill/>
-          <a:extLst>
-            <a:ext uri="{909E8E84-426E-40DD-AFC4-6F175D3DCCD1}">
-              <a14:hiddenFill xmlns:a14="http://schemas.microsoft.com/office/drawing/2010/main">
-                <a:solidFill>
-                  <a:srgbClr val="FFFFFF"/>
-                </a:solidFill>
-              </a14:hiddenFill>
-            </a:ext>
-          </a:extLst>
-        </p:spPr>
-      </p:pic>
-      <p:pic>
-        <p:nvPicPr>
-          <p:cNvPr id="17" name="図 16">
-            <a:extLst>
-              <a:ext uri="{FF2B5EF4-FFF2-40B4-BE49-F238E27FC236}">
-                <a16:creationId xmlns:a16="http://schemas.microsoft.com/office/drawing/2014/main" id="{EB46A13C-6DB8-4F27-AC29-7B9ACB064CFF}"/>
-              </a:ext>
-            </a:extLst>
-          </p:cNvPr>
-          <p:cNvPicPr>
-            <a:picLocks noChangeAspect="1"/>
-          </p:cNvPicPr>
-          <p:nvPr/>
-        </p:nvPicPr>
-        <p:blipFill>
-          <a:blip r:embed="rId12">
-            <a:extLst>
-              <a:ext uri="{BEBA8EAE-BF5A-486C-A8C5-ECC9F3942E4B}">
-                <a14:imgProps xmlns:a14="http://schemas.microsoft.com/office/drawing/2010/main">
-                  <a14:imgLayer r:embed="rId13">
-                    <a14:imgEffect>
-                      <a14:brightnessContrast bright="100000"/>
-                    </a14:imgEffect>
-                  </a14:imgLayer>
-                </a14:imgProps>
-              </a:ext>
-              <a:ext uri="{28A0092B-C50C-407E-A947-70E740481C1C}">
-                <a14:useLocalDpi xmlns:a14="http://schemas.microsoft.com/office/drawing/2010/main" val="0"/>
-              </a:ext>
-            </a:extLst>
-          </a:blip>
-          <a:stretch>
-            <a:fillRect/>
-          </a:stretch>
-        </p:blipFill>
-        <p:spPr>
-          <a:xfrm>
-            <a:off x="7290668" y="959676"/>
-            <a:ext cx="622186" cy="622186"/>
-          </a:xfrm>
-          <a:prstGeom prst="rect">
-            <a:avLst/>
-          </a:prstGeom>
-        </p:spPr>
-      </p:pic>
-      <p:pic>
-        <p:nvPicPr>
-          <p:cNvPr id="34" name="Picture 16">
-            <a:extLst>
-              <a:ext uri="{FF2B5EF4-FFF2-40B4-BE49-F238E27FC236}">
-                <a16:creationId xmlns:a16="http://schemas.microsoft.com/office/drawing/2014/main" id="{4631FFF2-8A56-46C5-9D9A-F9084DDECD05}"/>
-              </a:ext>
-            </a:extLst>
-          </p:cNvPr>
-          <p:cNvPicPr>
-            <a:picLocks noChangeAspect="1" noChangeArrowheads="1"/>
-          </p:cNvPicPr>
-          <p:nvPr/>
-        </p:nvPicPr>
-        <p:blipFill>
-          <a:blip r:embed="rId6">
-            <a:extLst>
-              <a:ext uri="{BEBA8EAE-BF5A-486C-A8C5-ECC9F3942E4B}">
-                <a14:imgProps xmlns:a14="http://schemas.microsoft.com/office/drawing/2010/main">
-                  <a14:imgLayer r:embed="rId7">
-                    <a14:imgEffect>
-                      <a14:brightnessContrast bright="100000"/>
-                    </a14:imgEffect>
-                  </a14:imgLayer>
-                </a14:imgProps>
-              </a:ext>
-              <a:ext uri="{28A0092B-C50C-407E-A947-70E740481C1C}">
-                <a14:useLocalDpi xmlns:a14="http://schemas.microsoft.com/office/drawing/2010/main" val="0"/>
-              </a:ext>
-            </a:extLst>
-          </a:blip>
-          <a:srcRect/>
-          <a:stretch>
-            <a:fillRect/>
-          </a:stretch>
-        </p:blipFill>
-        <p:spPr bwMode="auto">
-          <a:xfrm>
-            <a:off x="8157660" y="1019419"/>
-            <a:ext cx="888696" cy="888696"/>
-          </a:xfrm>
-          <a:prstGeom prst="rect">
-            <a:avLst/>
-          </a:prstGeom>
-          <a:noFill/>
-          <a:extLst>
-            <a:ext uri="{909E8E84-426E-40DD-AFC4-6F175D3DCCD1}">
-              <a14:hiddenFill xmlns:a14="http://schemas.microsoft.com/office/drawing/2010/main">
-                <a:solidFill>
-                  <a:srgbClr val="FFFFFF"/>
-                </a:solidFill>
-              </a14:hiddenFill>
-            </a:ext>
-          </a:extLst>
-        </p:spPr>
-      </p:pic>
-      <p:pic>
-        <p:nvPicPr>
-          <p:cNvPr id="1054" name="Picture 30" descr="Connection Icon Png #25829 - Free Icons Library">
-            <a:extLst>
-              <a:ext uri="{FF2B5EF4-FFF2-40B4-BE49-F238E27FC236}">
-                <a16:creationId xmlns:a16="http://schemas.microsoft.com/office/drawing/2014/main" id="{B64BC29E-8FEC-44BE-818B-A7CE24A0FFE0}"/>
-              </a:ext>
-            </a:extLst>
-          </p:cNvPr>
-          <p:cNvPicPr>
-            <a:picLocks noChangeAspect="1" noChangeArrowheads="1"/>
-          </p:cNvPicPr>
-          <p:nvPr/>
-        </p:nvPicPr>
-        <p:blipFill>
-          <a:blip r:embed="rId14">
-            <a:extLst>
-              <a:ext uri="{BEBA8EAE-BF5A-486C-A8C5-ECC9F3942E4B}">
-                <a14:imgProps xmlns:a14="http://schemas.microsoft.com/office/drawing/2010/main">
-                  <a14:imgLayer r:embed="rId15">
-                    <a14:imgEffect>
-                      <a14:brightnessContrast bright="100000"/>
-                    </a14:imgEffect>
-                  </a14:imgLayer>
-                </a14:imgProps>
-              </a:ext>
-              <a:ext uri="{28A0092B-C50C-407E-A947-70E740481C1C}">
-                <a14:useLocalDpi xmlns:a14="http://schemas.microsoft.com/office/drawing/2010/main" val="0"/>
-              </a:ext>
-            </a:extLst>
-          </a:blip>
-          <a:srcRect/>
-          <a:stretch>
-            <a:fillRect/>
-          </a:stretch>
-        </p:blipFill>
-        <p:spPr bwMode="auto">
-          <a:xfrm>
-            <a:off x="8789318" y="892032"/>
-            <a:ext cx="514076" cy="514076"/>
-          </a:xfrm>
-          <a:prstGeom prst="rect">
-            <a:avLst/>
-          </a:prstGeom>
-          <a:noFill/>
-          <a:extLst>
-            <a:ext uri="{909E8E84-426E-40DD-AFC4-6F175D3DCCD1}">
-              <a14:hiddenFill xmlns:a14="http://schemas.microsoft.com/office/drawing/2010/main">
-                <a:solidFill>
-                  <a:srgbClr val="FFFFFF"/>
-                </a:solidFill>
-              </a14:hiddenFill>
-            </a:ext>
-          </a:extLst>
-        </p:spPr>
-      </p:pic>
-      <p:pic>
-        <p:nvPicPr>
-          <p:cNvPr id="1056" name="Picture 32" descr="Analyst Icons - Download Free Vector Icons | Noun Project">
-            <a:extLst>
-              <a:ext uri="{FF2B5EF4-FFF2-40B4-BE49-F238E27FC236}">
-                <a16:creationId xmlns:a16="http://schemas.microsoft.com/office/drawing/2014/main" id="{499F808E-DE81-43A9-8AD2-B673CE86E171}"/>
-              </a:ext>
-            </a:extLst>
-          </p:cNvPr>
-          <p:cNvPicPr>
-            <a:picLocks noChangeAspect="1" noChangeArrowheads="1"/>
-          </p:cNvPicPr>
-          <p:nvPr/>
-        </p:nvPicPr>
-        <p:blipFill>
-          <a:blip r:embed="rId16">
-            <a:extLst>
-              <a:ext uri="{BEBA8EAE-BF5A-486C-A8C5-ECC9F3942E4B}">
-                <a14:imgProps xmlns:a14="http://schemas.microsoft.com/office/drawing/2010/main">
-                  <a14:imgLayer r:embed="rId17">
-                    <a14:imgEffect>
-                      <a14:brightnessContrast bright="100000"/>
-                    </a14:imgEffect>
-                  </a14:imgLayer>
-                </a14:imgProps>
-              </a:ext>
-              <a:ext uri="{28A0092B-C50C-407E-A947-70E740481C1C}">
-                <a14:useLocalDpi xmlns:a14="http://schemas.microsoft.com/office/drawing/2010/main" val="0"/>
-              </a:ext>
-            </a:extLst>
-          </a:blip>
-          <a:srcRect/>
-          <a:stretch>
-            <a:fillRect/>
-          </a:stretch>
-        </p:blipFill>
-        <p:spPr bwMode="auto">
-          <a:xfrm>
-            <a:off x="627395" y="893968"/>
-            <a:ext cx="807905" cy="807905"/>
-          </a:xfrm>
-          <a:prstGeom prst="rect">
-            <a:avLst/>
-          </a:prstGeom>
-          <a:noFill/>
-          <a:extLst>
-            <a:ext uri="{909E8E84-426E-40DD-AFC4-6F175D3DCCD1}">
-              <a14:hiddenFill xmlns:a14="http://schemas.microsoft.com/office/drawing/2010/main">
-                <a:solidFill>
-                  <a:srgbClr val="FFFFFF"/>
-                </a:solidFill>
-              </a14:hiddenFill>
-            </a:ext>
-          </a:extLst>
-        </p:spPr>
-      </p:pic>
-      <p:pic>
-        <p:nvPicPr>
-          <p:cNvPr id="1058" name="Picture 34" descr="Bar Chart Up 3 Icon - Free Icons">
-            <a:extLst>
-              <a:ext uri="{FF2B5EF4-FFF2-40B4-BE49-F238E27FC236}">
-                <a16:creationId xmlns:a16="http://schemas.microsoft.com/office/drawing/2014/main" id="{BD4A19A4-14FC-4355-ADEE-1E065A8C3CCC}"/>
-              </a:ext>
-            </a:extLst>
-          </p:cNvPr>
-          <p:cNvPicPr>
-            <a:picLocks noChangeAspect="1" noChangeArrowheads="1"/>
-          </p:cNvPicPr>
-          <p:nvPr/>
-        </p:nvPicPr>
-        <p:blipFill>
-          <a:blip r:embed="rId18">
-            <a:extLst>
-              <a:ext uri="{BEBA8EAE-BF5A-486C-A8C5-ECC9F3942E4B}">
-                <a14:imgProps xmlns:a14="http://schemas.microsoft.com/office/drawing/2010/main">
-                  <a14:imgLayer r:embed="rId19">
-                    <a14:imgEffect>
-                      <a14:brightnessContrast bright="100000"/>
-                    </a14:imgEffect>
-                  </a14:imgLayer>
-                </a14:imgProps>
-              </a:ext>
-              <a:ext uri="{28A0092B-C50C-407E-A947-70E740481C1C}">
-                <a14:useLocalDpi xmlns:a14="http://schemas.microsoft.com/office/drawing/2010/main" val="0"/>
-              </a:ext>
-            </a:extLst>
-          </a:blip>
-          <a:srcRect/>
-          <a:stretch>
-            <a:fillRect/>
-          </a:stretch>
-        </p:blipFill>
-        <p:spPr bwMode="auto">
-          <a:xfrm>
-            <a:off x="1221467" y="896993"/>
-            <a:ext cx="338174" cy="338174"/>
-          </a:xfrm>
-          <a:prstGeom prst="rect">
-            <a:avLst/>
-          </a:prstGeom>
-          <a:noFill/>
-          <a:extLst>
-            <a:ext uri="{909E8E84-426E-40DD-AFC4-6F175D3DCCD1}">
-              <a14:hiddenFill xmlns:a14="http://schemas.microsoft.com/office/drawing/2010/main">
-                <a:solidFill>
-                  <a:srgbClr val="FFFFFF"/>
-                </a:solidFill>
-              </a14:hiddenFill>
-            </a:ext>
-          </a:extLst>
-        </p:spPr>
-      </p:pic>
+        </p:grpSpPr>
+        <p:pic>
+          <p:nvPicPr>
+            <p:cNvPr id="1056" name="Picture 32" descr="Analyst Icons - Download Free Vector Icons | Noun Project">
+              <a:extLst>
+                <a:ext uri="{FF2B5EF4-FFF2-40B4-BE49-F238E27FC236}">
+                  <a16:creationId xmlns:a16="http://schemas.microsoft.com/office/drawing/2014/main" id="{499F808E-DE81-43A9-8AD2-B673CE86E171}"/>
+                </a:ext>
+              </a:extLst>
+            </p:cNvPr>
+            <p:cNvPicPr>
+              <a:picLocks noChangeAspect="1" noChangeArrowheads="1"/>
+            </p:cNvPicPr>
+            <p:nvPr/>
+          </p:nvPicPr>
+          <p:blipFill>
+            <a:blip r:embed="rId16">
+              <a:extLst>
+                <a:ext uri="{BEBA8EAE-BF5A-486C-A8C5-ECC9F3942E4B}">
+                  <a14:imgProps xmlns:a14="http://schemas.microsoft.com/office/drawing/2010/main">
+                    <a14:imgLayer r:embed="rId17">
+                      <a14:imgEffect>
+                        <a14:brightnessContrast bright="100000"/>
+                      </a14:imgEffect>
+                    </a14:imgLayer>
+                  </a14:imgProps>
+                </a:ext>
+                <a:ext uri="{28A0092B-C50C-407E-A947-70E740481C1C}">
+                  <a14:useLocalDpi xmlns:a14="http://schemas.microsoft.com/office/drawing/2010/main" val="0"/>
+                </a:ext>
+              </a:extLst>
+            </a:blip>
+            <a:srcRect/>
+            <a:stretch>
+              <a:fillRect/>
+            </a:stretch>
+          </p:blipFill>
+          <p:spPr bwMode="auto">
+            <a:xfrm>
+              <a:off x="627395" y="893968"/>
+              <a:ext cx="807905" cy="807905"/>
+            </a:xfrm>
+            <a:prstGeom prst="rect">
+              <a:avLst/>
+            </a:prstGeom>
+            <a:noFill/>
+            <a:extLst>
+              <a:ext uri="{909E8E84-426E-40DD-AFC4-6F175D3DCCD1}">
+                <a14:hiddenFill xmlns:a14="http://schemas.microsoft.com/office/drawing/2010/main">
+                  <a:solidFill>
+                    <a:srgbClr val="FFFFFF"/>
+                  </a:solidFill>
+                </a14:hiddenFill>
+              </a:ext>
+            </a:extLst>
+          </p:spPr>
+        </p:pic>
+        <p:pic>
+          <p:nvPicPr>
+            <p:cNvPr id="1058" name="Picture 34" descr="Bar Chart Up 3 Icon - Free Icons">
+              <a:extLst>
+                <a:ext uri="{FF2B5EF4-FFF2-40B4-BE49-F238E27FC236}">
+                  <a16:creationId xmlns:a16="http://schemas.microsoft.com/office/drawing/2014/main" id="{BD4A19A4-14FC-4355-ADEE-1E065A8C3CCC}"/>
+                </a:ext>
+              </a:extLst>
+            </p:cNvPr>
+            <p:cNvPicPr>
+              <a:picLocks noChangeAspect="1" noChangeArrowheads="1"/>
+            </p:cNvPicPr>
+            <p:nvPr/>
+          </p:nvPicPr>
+          <p:blipFill>
+            <a:blip r:embed="rId18">
+              <a:extLst>
+                <a:ext uri="{BEBA8EAE-BF5A-486C-A8C5-ECC9F3942E4B}">
+                  <a14:imgProps xmlns:a14="http://schemas.microsoft.com/office/drawing/2010/main">
+                    <a14:imgLayer r:embed="rId19">
+                      <a14:imgEffect>
+                        <a14:brightnessContrast bright="100000"/>
+                      </a14:imgEffect>
+                    </a14:imgLayer>
+                  </a14:imgProps>
+                </a:ext>
+                <a:ext uri="{28A0092B-C50C-407E-A947-70E740481C1C}">
+                  <a14:useLocalDpi xmlns:a14="http://schemas.microsoft.com/office/drawing/2010/main" val="0"/>
+                </a:ext>
+              </a:extLst>
+            </a:blip>
+            <a:srcRect/>
+            <a:stretch>
+              <a:fillRect/>
+            </a:stretch>
+          </p:blipFill>
+          <p:spPr bwMode="auto">
+            <a:xfrm>
+              <a:off x="1221467" y="896993"/>
+              <a:ext cx="338174" cy="338174"/>
+            </a:xfrm>
+            <a:prstGeom prst="rect">
+              <a:avLst/>
+            </a:prstGeom>
+            <a:noFill/>
+            <a:extLst>
+              <a:ext uri="{909E8E84-426E-40DD-AFC4-6F175D3DCCD1}">
+                <a14:hiddenFill xmlns:a14="http://schemas.microsoft.com/office/drawing/2010/main">
+                  <a:solidFill>
+                    <a:srgbClr val="FFFFFF"/>
+                  </a:solidFill>
+                </a14:hiddenFill>
+              </a:ext>
+            </a:extLst>
+          </p:spPr>
+        </p:pic>
+      </p:grpSp>
     </p:spTree>
     <p:extLst>
       <p:ext uri="{BB962C8B-B14F-4D97-AF65-F5344CB8AC3E}">
